--- a/src/assets/images/FoldedPaper.pptx
+++ b/src/assets/images/FoldedPaper.pptx
@@ -104,6 +104,11 @@
       </a:defRPr>
     </a:lvl9pPr>
   </p:defaultTextStyle>
+  <p:extLst>
+    <p:ext uri="{EFAFB233-063F-42B5-8137-9DF3F51BA10A}">
+      <p15:sldGuideLst xmlns:p15="http://schemas.microsoft.com/office/powerpoint/2012/main"/>
+    </p:ext>
+  </p:extLst>
 </p:presentation>
 </file>
 
@@ -120,12 +125,12 @@
   <pc:docChgLst>
     <pc:chgData name="Lode Bosmans" userId="2476d420fdbed58e" providerId="LiveId" clId="{22DAC645-17F1-4479-90E4-1C9B335F2113}"/>
     <pc:docChg chg="undo custSel addSld modSld">
-      <pc:chgData name="Lode Bosmans" userId="2476d420fdbed58e" providerId="LiveId" clId="{22DAC645-17F1-4479-90E4-1C9B335F2113}" dt="2023-01-19T00:23:49.999" v="734" actId="164"/>
+      <pc:chgData name="Lode Bosmans" userId="2476d420fdbed58e" providerId="LiveId" clId="{22DAC645-17F1-4479-90E4-1C9B335F2113}" dt="2023-01-22T15:52:25.967" v="735" actId="1076"/>
       <pc:docMkLst>
         <pc:docMk/>
       </pc:docMkLst>
       <pc:sldChg chg="addSp delSp modSp new mod">
-        <pc:chgData name="Lode Bosmans" userId="2476d420fdbed58e" providerId="LiveId" clId="{22DAC645-17F1-4479-90E4-1C9B335F2113}" dt="2023-01-19T00:23:49.999" v="734" actId="164"/>
+        <pc:chgData name="Lode Bosmans" userId="2476d420fdbed58e" providerId="LiveId" clId="{22DAC645-17F1-4479-90E4-1C9B335F2113}" dt="2023-01-22T15:52:25.967" v="735" actId="1076"/>
         <pc:sldMkLst>
           <pc:docMk/>
           <pc:sldMk cId="2412182337" sldId="256"/>
@@ -219,7 +224,7 @@
           </ac:spMkLst>
         </pc:spChg>
         <pc:spChg chg="add mod ord topLvl">
-          <ac:chgData name="Lode Bosmans" userId="2476d420fdbed58e" providerId="LiveId" clId="{22DAC645-17F1-4479-90E4-1C9B335F2113}" dt="2023-01-19T00:23:49.999" v="734" actId="164"/>
+          <ac:chgData name="Lode Bosmans" userId="2476d420fdbed58e" providerId="LiveId" clId="{22DAC645-17F1-4479-90E4-1C9B335F2113}" dt="2023-01-22T15:52:25.967" v="735" actId="1076"/>
           <ac:spMkLst>
             <pc:docMk/>
             <pc:sldMk cId="2412182337" sldId="256"/>
@@ -629,7 +634,7 @@
           <a:p>
             <a:fld id="{95A20610-378C-4993-9BA2-772AE718E823}" type="datetimeFigureOut">
               <a:rPr lang="en-GB" smtClean="0"/>
-              <a:t>19/01/2023</a:t>
+              <a:t>22/01/2023</a:t>
             </a:fld>
             <a:endParaRPr lang="en-GB"/>
           </a:p>
@@ -829,7 +834,7 @@
           <a:p>
             <a:fld id="{95A20610-378C-4993-9BA2-772AE718E823}" type="datetimeFigureOut">
               <a:rPr lang="en-GB" smtClean="0"/>
-              <a:t>19/01/2023</a:t>
+              <a:t>22/01/2023</a:t>
             </a:fld>
             <a:endParaRPr lang="en-GB"/>
           </a:p>
@@ -1039,7 +1044,7 @@
           <a:p>
             <a:fld id="{95A20610-378C-4993-9BA2-772AE718E823}" type="datetimeFigureOut">
               <a:rPr lang="en-GB" smtClean="0"/>
-              <a:t>19/01/2023</a:t>
+              <a:t>22/01/2023</a:t>
             </a:fld>
             <a:endParaRPr lang="en-GB"/>
           </a:p>
@@ -1239,7 +1244,7 @@
           <a:p>
             <a:fld id="{95A20610-378C-4993-9BA2-772AE718E823}" type="datetimeFigureOut">
               <a:rPr lang="en-GB" smtClean="0"/>
-              <a:t>19/01/2023</a:t>
+              <a:t>22/01/2023</a:t>
             </a:fld>
             <a:endParaRPr lang="en-GB"/>
           </a:p>
@@ -1515,7 +1520,7 @@
           <a:p>
             <a:fld id="{95A20610-378C-4993-9BA2-772AE718E823}" type="datetimeFigureOut">
               <a:rPr lang="en-GB" smtClean="0"/>
-              <a:t>19/01/2023</a:t>
+              <a:t>22/01/2023</a:t>
             </a:fld>
             <a:endParaRPr lang="en-GB"/>
           </a:p>
@@ -1783,7 +1788,7 @@
           <a:p>
             <a:fld id="{95A20610-378C-4993-9BA2-772AE718E823}" type="datetimeFigureOut">
               <a:rPr lang="en-GB" smtClean="0"/>
-              <a:t>19/01/2023</a:t>
+              <a:t>22/01/2023</a:t>
             </a:fld>
             <a:endParaRPr lang="en-GB"/>
           </a:p>
@@ -2198,7 +2203,7 @@
           <a:p>
             <a:fld id="{95A20610-378C-4993-9BA2-772AE718E823}" type="datetimeFigureOut">
               <a:rPr lang="en-GB" smtClean="0"/>
-              <a:t>19/01/2023</a:t>
+              <a:t>22/01/2023</a:t>
             </a:fld>
             <a:endParaRPr lang="en-GB"/>
           </a:p>
@@ -2340,7 +2345,7 @@
           <a:p>
             <a:fld id="{95A20610-378C-4993-9BA2-772AE718E823}" type="datetimeFigureOut">
               <a:rPr lang="en-GB" smtClean="0"/>
-              <a:t>19/01/2023</a:t>
+              <a:t>22/01/2023</a:t>
             </a:fld>
             <a:endParaRPr lang="en-GB"/>
           </a:p>
@@ -2453,7 +2458,7 @@
           <a:p>
             <a:fld id="{95A20610-378C-4993-9BA2-772AE718E823}" type="datetimeFigureOut">
               <a:rPr lang="en-GB" smtClean="0"/>
-              <a:t>19/01/2023</a:t>
+              <a:t>22/01/2023</a:t>
             </a:fld>
             <a:endParaRPr lang="en-GB"/>
           </a:p>
@@ -2766,7 +2771,7 @@
           <a:p>
             <a:fld id="{95A20610-378C-4993-9BA2-772AE718E823}" type="datetimeFigureOut">
               <a:rPr lang="en-GB" smtClean="0"/>
-              <a:t>19/01/2023</a:t>
+              <a:t>22/01/2023</a:t>
             </a:fld>
             <a:endParaRPr lang="en-GB"/>
           </a:p>
@@ -3055,7 +3060,7 @@
           <a:p>
             <a:fld id="{95A20610-378C-4993-9BA2-772AE718E823}" type="datetimeFigureOut">
               <a:rPr lang="en-GB" smtClean="0"/>
-              <a:t>19/01/2023</a:t>
+              <a:t>22/01/2023</a:t>
             </a:fld>
             <a:endParaRPr lang="en-GB"/>
           </a:p>
@@ -3298,7 +3303,7 @@
           <a:p>
             <a:fld id="{95A20610-378C-4993-9BA2-772AE718E823}" type="datetimeFigureOut">
               <a:rPr lang="en-GB" smtClean="0"/>
-              <a:t>19/01/2023</a:t>
+              <a:t>22/01/2023</a:t>
             </a:fld>
             <a:endParaRPr lang="en-GB"/>
           </a:p>
@@ -4431,7 +4436,7 @@
           </p:nvSpPr>
           <p:spPr>
             <a:xfrm>
-              <a:off x="6728203" y="2029896"/>
+              <a:off x="6735823" y="1973319"/>
               <a:ext cx="229987" cy="229987"/>
             </a:xfrm>
             <a:prstGeom prst="roundRect">
